--- a/Pic_maker_bdDwC.pptx
+++ b/Pic_maker_bdDwC.pptx
@@ -127,7 +127,7 @@
             <a:srgbClr val="A4A3A4"/>
           </p15:clr>
         </p15:guide>
-        <p15:guide id="2" pos="3931" userDrawn="1">
+        <p15:guide id="2" pos="3953" userDrawn="1">
           <p15:clr>
             <a:srgbClr val="A4A3A4"/>
           </p15:clr>
@@ -8761,6 +8761,60 @@
       </p:grpSpPr>
       <p:sp>
         <p:nvSpPr>
+          <p:cNvPr id="24" name="Rectangle 23">
+            <a:extLst>
+              <a:ext uri="{FF2B5EF4-FFF2-40B4-BE49-F238E27FC236}">
+                <a16:creationId xmlns:a16="http://schemas.microsoft.com/office/drawing/2014/main" id="{A4C44464-6E53-4EE4-868B-494FB5B318FC}"/>
+              </a:ext>
+            </a:extLst>
+          </p:cNvPr>
+          <p:cNvSpPr/>
+          <p:nvPr/>
+        </p:nvSpPr>
+        <p:spPr>
+          <a:xfrm>
+            <a:off x="-137426" y="576935"/>
+            <a:ext cx="5234623" cy="1257601"/>
+          </a:xfrm>
+          <a:prstGeom prst="rect">
+            <a:avLst/>
+          </a:prstGeom>
+          <a:solidFill>
+            <a:schemeClr val="bg1"/>
+          </a:solidFill>
+          <a:ln w="9525" cap="flat" cmpd="sng" algn="ctr">
+            <a:noFill/>
+            <a:prstDash val="solid"/>
+            <a:round/>
+            <a:headEnd type="none" w="med" len="med"/>
+            <a:tailEnd type="none" w="med" len="med"/>
+          </a:ln>
+        </p:spPr>
+        <p:style>
+          <a:lnRef idx="0">
+            <a:scrgbClr r="0" g="0" b="0"/>
+          </a:lnRef>
+          <a:fillRef idx="0">
+            <a:scrgbClr r="0" g="0" b="0"/>
+          </a:fillRef>
+          <a:effectRef idx="0">
+            <a:scrgbClr r="0" g="0" b="0"/>
+          </a:effectRef>
+          <a:fontRef idx="minor">
+            <a:schemeClr val="dk1"/>
+          </a:fontRef>
+        </p:style>
+        <p:txBody>
+          <a:bodyPr rtlCol="0" anchor="ctr"/>
+          <a:lstStyle/>
+          <a:p>
+            <a:pPr algn="ctr"/>
+            <a:endParaRPr lang="en-GB"/>
+          </a:p>
+        </p:txBody>
+      </p:sp>
+      <p:sp>
+        <p:nvSpPr>
           <p:cNvPr id="16" name="Rectangle 15">
             <a:extLst>
               <a:ext uri="{FF2B5EF4-FFF2-40B4-BE49-F238E27FC236}">
@@ -8827,7 +8881,7 @@
           </p:cNvPicPr>
           <p:nvPr/>
         </p:nvPicPr>
-        <p:blipFill>
+        <p:blipFill rotWithShape="1">
           <a:blip r:embed="rId2">
             <a:extLst>
               <a:ext uri="{28A0092B-C50C-407E-A947-70E740481C1C}">
@@ -8835,14 +8889,13 @@
               </a:ext>
             </a:extLst>
           </a:blip>
-          <a:stretch>
-            <a:fillRect/>
-          </a:stretch>
+          <a:srcRect b="39036"/>
+          <a:stretch/>
         </p:blipFill>
         <p:spPr>
           <a:xfrm>
-            <a:off x="3545178" y="4171376"/>
-            <a:ext cx="1705440" cy="1705440"/>
+            <a:off x="3391757" y="4052990"/>
+            <a:ext cx="1705440" cy="1039710"/>
           </a:xfrm>
           <a:prstGeom prst="rect">
             <a:avLst/>
@@ -9254,8 +9307,111 @@
         </p:blipFill>
         <p:spPr>
           <a:xfrm>
-            <a:off x="9743281" y="2267223"/>
+            <a:off x="7825581" y="5199132"/>
             <a:ext cx="4897437" cy="1161777"/>
+          </a:xfrm>
+          <a:prstGeom prst="rect">
+            <a:avLst/>
+          </a:prstGeom>
+        </p:spPr>
+      </p:pic>
+      <p:pic>
+        <p:nvPicPr>
+          <p:cNvPr id="25" name="Picture 24">
+            <a:extLst>
+              <a:ext uri="{FF2B5EF4-FFF2-40B4-BE49-F238E27FC236}">
+                <a16:creationId xmlns:a16="http://schemas.microsoft.com/office/drawing/2014/main" id="{4E39820D-66A2-40B3-9BFB-6281F434C3BE}"/>
+              </a:ext>
+            </a:extLst>
+          </p:cNvPr>
+          <p:cNvPicPr>
+            <a:picLocks noChangeAspect="1"/>
+          </p:cNvPicPr>
+          <p:nvPr/>
+        </p:nvPicPr>
+        <p:blipFill rotWithShape="1">
+          <a:blip r:embed="rId6"/>
+          <a:srcRect l="2726"/>
+          <a:stretch/>
+        </p:blipFill>
+        <p:spPr>
+          <a:xfrm>
+            <a:off x="3315557" y="2464489"/>
+            <a:ext cx="5242436" cy="1383912"/>
+          </a:xfrm>
+          <a:prstGeom prst="rect">
+            <a:avLst/>
+          </a:prstGeom>
+        </p:spPr>
+      </p:pic>
+      <p:sp>
+        <p:nvSpPr>
+          <p:cNvPr id="26" name="AutoShape 2" descr="Google Summer of Code">
+            <a:extLst>
+              <a:ext uri="{FF2B5EF4-FFF2-40B4-BE49-F238E27FC236}">
+                <a16:creationId xmlns:a16="http://schemas.microsoft.com/office/drawing/2014/main" id="{5CDA6B2D-A591-46DD-BBE9-08F7E7FD86A7}"/>
+              </a:ext>
+            </a:extLst>
+          </p:cNvPr>
+          <p:cNvSpPr>
+            <a:spLocks noChangeAspect="1" noChangeArrowheads="1"/>
+          </p:cNvSpPr>
+          <p:nvPr/>
+        </p:nvSpPr>
+        <p:spPr bwMode="auto">
+          <a:xfrm>
+            <a:off x="5943600" y="3276600"/>
+            <a:ext cx="304800" cy="304800"/>
+          </a:xfrm>
+          <a:prstGeom prst="rect">
+            <a:avLst/>
+          </a:prstGeom>
+          <a:noFill/>
+          <a:extLst>
+            <a:ext uri="{909E8E84-426E-40DD-AFC4-6F175D3DCCD1}">
+              <a14:hiddenFill xmlns:a14="http://schemas.microsoft.com/office/drawing/2010/main">
+                <a:solidFill>
+                  <a:srgbClr val="FFFFFF"/>
+                </a:solidFill>
+              </a14:hiddenFill>
+            </a:ext>
+          </a:extLst>
+        </p:spPr>
+        <p:txBody>
+          <a:bodyPr vert="horz" wrap="square" lIns="91440" tIns="45720" rIns="91440" bIns="45720" numCol="1" anchor="t" anchorCtr="0" compatLnSpc="1">
+            <a:prstTxWarp prst="textNoShape">
+              <a:avLst/>
+            </a:prstTxWarp>
+          </a:bodyPr>
+          <a:lstStyle/>
+          <a:p>
+            <a:endParaRPr lang="en-GB"/>
+          </a:p>
+        </p:txBody>
+      </p:sp>
+      <p:pic>
+        <p:nvPicPr>
+          <p:cNvPr id="27" name="Picture 26">
+            <a:extLst>
+              <a:ext uri="{FF2B5EF4-FFF2-40B4-BE49-F238E27FC236}">
+                <a16:creationId xmlns:a16="http://schemas.microsoft.com/office/drawing/2014/main" id="{DE043E33-E2FA-46DA-B284-9D41D02D25D6}"/>
+              </a:ext>
+            </a:extLst>
+          </p:cNvPr>
+          <p:cNvPicPr>
+            <a:picLocks noChangeAspect="1"/>
+          </p:cNvPicPr>
+          <p:nvPr/>
+        </p:nvPicPr>
+        <p:blipFill rotWithShape="1">
+          <a:blip r:embed="rId7"/>
+          <a:srcRect l="14686"/>
+          <a:stretch/>
+        </p:blipFill>
+        <p:spPr>
+          <a:xfrm>
+            <a:off x="4737100" y="4230090"/>
+            <a:ext cx="3651106" cy="804943"/>
           </a:xfrm>
           <a:prstGeom prst="rect">
             <a:avLst/>
@@ -17671,12 +17827,65 @@
           <a:chExt cx="0" cy="0"/>
         </a:xfrm>
       </p:grpSpPr>
+      <p:sp>
+        <p:nvSpPr>
+          <p:cNvPr id="76" name="Action Button: Blank 75">
+            <a:hlinkClick r:id="" action="ppaction://noaction" highlightClick="1"/>
+            <a:extLst>
+              <a:ext uri="{FF2B5EF4-FFF2-40B4-BE49-F238E27FC236}">
+                <a16:creationId xmlns:a16="http://schemas.microsoft.com/office/drawing/2014/main" id="{3EB1C214-5961-4C7F-AEED-BC0E8524C54B}"/>
+              </a:ext>
+            </a:extLst>
+          </p:cNvPr>
+          <p:cNvSpPr/>
+          <p:nvPr/>
+        </p:nvSpPr>
+        <p:spPr>
+          <a:xfrm>
+            <a:off x="1079500" y="495299"/>
+            <a:ext cx="10706100" cy="5292571"/>
+          </a:xfrm>
+          <a:prstGeom prst="actionButtonBlank">
+            <a:avLst/>
+          </a:prstGeom>
+          <a:solidFill>
+            <a:schemeClr val="bg1"/>
+          </a:solidFill>
+          <a:ln>
+            <a:noFill/>
+          </a:ln>
+        </p:spPr>
+        <p:style>
+          <a:lnRef idx="2">
+            <a:schemeClr val="accent1">
+              <a:shade val="50000"/>
+            </a:schemeClr>
+          </a:lnRef>
+          <a:fillRef idx="1">
+            <a:schemeClr val="accent1"/>
+          </a:fillRef>
+          <a:effectRef idx="0">
+            <a:schemeClr val="accent1"/>
+          </a:effectRef>
+          <a:fontRef idx="minor">
+            <a:schemeClr val="lt1"/>
+          </a:fontRef>
+        </p:style>
+        <p:txBody>
+          <a:bodyPr rtlCol="0" anchor="ctr"/>
+          <a:lstStyle/>
+          <a:p>
+            <a:pPr algn="ctr"/>
+            <a:endParaRPr lang="en-GB"/>
+          </a:p>
+        </p:txBody>
+      </p:sp>
       <p:pic>
         <p:nvPicPr>
-          <p:cNvPr id="4" name="Picture 3">
+          <p:cNvPr id="132" name="Picture 131">
             <a:extLst>
               <a:ext uri="{FF2B5EF4-FFF2-40B4-BE49-F238E27FC236}">
-                <a16:creationId xmlns:a16="http://schemas.microsoft.com/office/drawing/2014/main" id="{3D3EAE40-F42C-41FE-8F43-84FFECF64045}"/>
+                <a16:creationId xmlns:a16="http://schemas.microsoft.com/office/drawing/2014/main" id="{765C0048-E3B5-4F18-A131-19113F201572}"/>
               </a:ext>
             </a:extLst>
           </p:cNvPr>
@@ -17685,56 +17894,16 @@
           </p:cNvPicPr>
           <p:nvPr/>
         </p:nvPicPr>
-        <p:blipFill rotWithShape="1">
+        <p:blipFill>
           <a:blip r:embed="rId2"/>
-          <a:srcRect r="20043"/>
-          <a:stretch/>
+          <a:stretch>
+            <a:fillRect/>
+          </a:stretch>
         </p:blipFill>
         <p:spPr>
           <a:xfrm>
-            <a:off x="1475394" y="1613625"/>
-            <a:ext cx="3098406" cy="1423162"/>
-          </a:xfrm>
-          <a:prstGeom prst="rect">
-            <a:avLst/>
-          </a:prstGeom>
-          <a:ln w="57150">
-            <a:solidFill>
-              <a:srgbClr val="31937B"/>
-            </a:solidFill>
-          </a:ln>
-          <a:effectLst>
-            <a:outerShdw blurRad="190500" algn="tl" rotWithShape="0">
-              <a:srgbClr val="000000">
-                <a:alpha val="70000"/>
-              </a:srgbClr>
-            </a:outerShdw>
-          </a:effectLst>
-        </p:spPr>
-      </p:pic>
-      <p:pic>
-        <p:nvPicPr>
-          <p:cNvPr id="2" name="Picture 1">
-            <a:extLst>
-              <a:ext uri="{FF2B5EF4-FFF2-40B4-BE49-F238E27FC236}">
-                <a16:creationId xmlns:a16="http://schemas.microsoft.com/office/drawing/2014/main" id="{BFEDA6C8-C7A0-4FFF-BED0-A45C73BFB03D}"/>
-              </a:ext>
-            </a:extLst>
-          </p:cNvPr>
-          <p:cNvPicPr>
-            <a:picLocks noChangeAspect="1"/>
-          </p:cNvPicPr>
-          <p:nvPr/>
-        </p:nvPicPr>
-        <p:blipFill rotWithShape="1">
-          <a:blip r:embed="rId3"/>
-          <a:srcRect t="4016"/>
-          <a:stretch/>
-        </p:blipFill>
-        <p:spPr>
-          <a:xfrm>
-            <a:off x="4824716" y="2264856"/>
-            <a:ext cx="5927392" cy="3284252"/>
+            <a:off x="4764300" y="2161782"/>
+            <a:ext cx="6281511" cy="3626089"/>
           </a:xfrm>
           <a:prstGeom prst="rect">
             <a:avLst/>
@@ -17759,7 +17928,7 @@
           </a:effectLst>
           <a:scene3d>
             <a:camera prst="perspectiveRelaxed">
-              <a:rot lat="18960000" lon="0" rev="0"/>
+              <a:rot lat="18660000" lon="0" rev="0"/>
             </a:camera>
             <a:lightRig rig="twoPt" dir="t">
               <a:rot lat="0" lon="0" rev="7200000"/>
@@ -17771,6 +17940,47 @@
               <a:srgbClr val="FFFFFF"/>
             </a:contourClr>
           </a:sp3d>
+        </p:spPr>
+      </p:pic>
+      <p:pic>
+        <p:nvPicPr>
+          <p:cNvPr id="4" name="Picture 3">
+            <a:extLst>
+              <a:ext uri="{FF2B5EF4-FFF2-40B4-BE49-F238E27FC236}">
+                <a16:creationId xmlns:a16="http://schemas.microsoft.com/office/drawing/2014/main" id="{3D3EAE40-F42C-41FE-8F43-84FFECF64045}"/>
+              </a:ext>
+            </a:extLst>
+          </p:cNvPr>
+          <p:cNvPicPr>
+            <a:picLocks noChangeAspect="1"/>
+          </p:cNvPicPr>
+          <p:nvPr/>
+        </p:nvPicPr>
+        <p:blipFill rotWithShape="1">
+          <a:blip r:embed="rId3"/>
+          <a:srcRect r="20043"/>
+          <a:stretch/>
+        </p:blipFill>
+        <p:spPr>
+          <a:xfrm>
+            <a:off x="1475394" y="1613625"/>
+            <a:ext cx="3098406" cy="1423162"/>
+          </a:xfrm>
+          <a:prstGeom prst="rect">
+            <a:avLst/>
+          </a:prstGeom>
+          <a:ln w="57150">
+            <a:solidFill>
+              <a:srgbClr val="31937B"/>
+            </a:solidFill>
+          </a:ln>
+          <a:effectLst>
+            <a:outerShdw blurRad="190500" algn="tl" rotWithShape="0">
+              <a:srgbClr val="000000">
+                <a:alpha val="70000"/>
+              </a:srgbClr>
+            </a:outerShdw>
+          </a:effectLst>
         </p:spPr>
       </p:pic>
       <p:pic>
@@ -17869,7 +18079,7 @@
         </p:nvGrpSpPr>
         <p:grpSpPr>
           <a:xfrm>
-            <a:off x="5129067" y="623678"/>
+            <a:off x="4989367" y="737978"/>
             <a:ext cx="1184958" cy="1414567"/>
             <a:chOff x="568331" y="5003724"/>
             <a:chExt cx="1184958" cy="1414567"/>
@@ -19983,7 +20193,7 @@
         </p:nvGrpSpPr>
         <p:grpSpPr>
           <a:xfrm>
-            <a:off x="2063681" y="623678"/>
+            <a:off x="2063681" y="699878"/>
             <a:ext cx="1921833" cy="779352"/>
             <a:chOff x="567389" y="5318992"/>
             <a:chExt cx="1921833" cy="779352"/>
